--- a/images/ipam_symmetrical.pptx
+++ b/images/ipam_symmetrical.pptx
@@ -259,7 +259,7 @@
           <a:p>
             <a:fld id="{81DDFA8C-87FF-FC48-8986-313C47ABC410}" type="datetimeFigureOut">
               <a:rPr lang="en-US" smtClean="0"/>
-              <a:t>3/7/22</a:t>
+              <a:t>3/9/22</a:t>
             </a:fld>
             <a:endParaRPr lang="en-US"/>
           </a:p>
@@ -457,7 +457,7 @@
           <a:p>
             <a:fld id="{81DDFA8C-87FF-FC48-8986-313C47ABC410}" type="datetimeFigureOut">
               <a:rPr lang="en-US" smtClean="0"/>
-              <a:t>3/7/22</a:t>
+              <a:t>3/9/22</a:t>
             </a:fld>
             <a:endParaRPr lang="en-US"/>
           </a:p>
@@ -665,7 +665,7 @@
           <a:p>
             <a:fld id="{81DDFA8C-87FF-FC48-8986-313C47ABC410}" type="datetimeFigureOut">
               <a:rPr lang="en-US" smtClean="0"/>
-              <a:t>3/7/22</a:t>
+              <a:t>3/9/22</a:t>
             </a:fld>
             <a:endParaRPr lang="en-US"/>
           </a:p>
@@ -863,7 +863,7 @@
           <a:p>
             <a:fld id="{81DDFA8C-87FF-FC48-8986-313C47ABC410}" type="datetimeFigureOut">
               <a:rPr lang="en-US" smtClean="0"/>
-              <a:t>3/7/22</a:t>
+              <a:t>3/9/22</a:t>
             </a:fld>
             <a:endParaRPr lang="en-US"/>
           </a:p>
@@ -1138,7 +1138,7 @@
           <a:p>
             <a:fld id="{81DDFA8C-87FF-FC48-8986-313C47ABC410}" type="datetimeFigureOut">
               <a:rPr lang="en-US" smtClean="0"/>
-              <a:t>3/7/22</a:t>
+              <a:t>3/9/22</a:t>
             </a:fld>
             <a:endParaRPr lang="en-US"/>
           </a:p>
@@ -1403,7 +1403,7 @@
           <a:p>
             <a:fld id="{81DDFA8C-87FF-FC48-8986-313C47ABC410}" type="datetimeFigureOut">
               <a:rPr lang="en-US" smtClean="0"/>
-              <a:t>3/7/22</a:t>
+              <a:t>3/9/22</a:t>
             </a:fld>
             <a:endParaRPr lang="en-US"/>
           </a:p>
@@ -1815,7 +1815,7 @@
           <a:p>
             <a:fld id="{81DDFA8C-87FF-FC48-8986-313C47ABC410}" type="datetimeFigureOut">
               <a:rPr lang="en-US" smtClean="0"/>
-              <a:t>3/7/22</a:t>
+              <a:t>3/9/22</a:t>
             </a:fld>
             <a:endParaRPr lang="en-US"/>
           </a:p>
@@ -1956,7 +1956,7 @@
           <a:p>
             <a:fld id="{81DDFA8C-87FF-FC48-8986-313C47ABC410}" type="datetimeFigureOut">
               <a:rPr lang="en-US" smtClean="0"/>
-              <a:t>3/7/22</a:t>
+              <a:t>3/9/22</a:t>
             </a:fld>
             <a:endParaRPr lang="en-US"/>
           </a:p>
@@ -2069,7 +2069,7 @@
           <a:p>
             <a:fld id="{81DDFA8C-87FF-FC48-8986-313C47ABC410}" type="datetimeFigureOut">
               <a:rPr lang="en-US" smtClean="0"/>
-              <a:t>3/7/22</a:t>
+              <a:t>3/9/22</a:t>
             </a:fld>
             <a:endParaRPr lang="en-US"/>
           </a:p>
@@ -2380,7 +2380,7 @@
           <a:p>
             <a:fld id="{81DDFA8C-87FF-FC48-8986-313C47ABC410}" type="datetimeFigureOut">
               <a:rPr lang="en-US" smtClean="0"/>
-              <a:t>3/7/22</a:t>
+              <a:t>3/9/22</a:t>
             </a:fld>
             <a:endParaRPr lang="en-US"/>
           </a:p>
@@ -2668,7 +2668,7 @@
           <a:p>
             <a:fld id="{81DDFA8C-87FF-FC48-8986-313C47ABC410}" type="datetimeFigureOut">
               <a:rPr lang="en-US" smtClean="0"/>
-              <a:t>3/7/22</a:t>
+              <a:t>3/9/22</a:t>
             </a:fld>
             <a:endParaRPr lang="en-US"/>
           </a:p>
@@ -2909,7 +2909,7 @@
           <a:p>
             <a:fld id="{81DDFA8C-87FF-FC48-8986-313C47ABC410}" type="datetimeFigureOut">
               <a:rPr lang="en-US" smtClean="0"/>
-              <a:t>3/7/22</a:t>
+              <a:t>3/9/22</a:t>
             </a:fld>
             <a:endParaRPr lang="en-US"/>
           </a:p>
@@ -3349,7 +3349,7 @@
         <p:spPr>
           <a:xfrm>
             <a:off x="339805" y="138647"/>
-            <a:ext cx="8598712" cy="6614999"/>
+            <a:ext cx="8598712" cy="6648525"/>
           </a:xfrm>
           <a:prstGeom prst="rect">
             <a:avLst/>
@@ -4640,517 +4640,178 @@
           </p:txBody>
         </p:sp>
       </p:grpSp>
-      <p:grpSp>
-        <p:nvGrpSpPr>
-          <p:cNvPr id="28" name="Group 27">
-            <a:extLst>
-              <a:ext uri="{FF2B5EF4-FFF2-40B4-BE49-F238E27FC236}">
-                <a16:creationId xmlns:a16="http://schemas.microsoft.com/office/drawing/2014/main" id="{BA4B93F3-51D2-CD46-AE58-B114985E4E7B}"/>
-              </a:ext>
-            </a:extLst>
-          </p:cNvPr>
-          <p:cNvGrpSpPr/>
+      <p:sp>
+        <p:nvSpPr>
+          <p:cNvPr id="95" name="Rectangle 94">
+            <a:extLst>
+              <a:ext uri="{FF2B5EF4-FFF2-40B4-BE49-F238E27FC236}">
+                <a16:creationId xmlns:a16="http://schemas.microsoft.com/office/drawing/2014/main" id="{704AC11D-8F3F-4148-9EFF-BB9EC11876EB}"/>
+              </a:ext>
+            </a:extLst>
+          </p:cNvPr>
+          <p:cNvSpPr/>
           <p:nvPr/>
-        </p:nvGrpSpPr>
-        <p:grpSpPr>
+        </p:nvSpPr>
+        <p:spPr>
           <a:xfrm>
-            <a:off x="758253" y="5574018"/>
-            <a:ext cx="1479728" cy="523113"/>
-            <a:chOff x="758253" y="5722302"/>
-            <a:chExt cx="1479728" cy="523113"/>
+            <a:off x="3948664" y="5493790"/>
+            <a:ext cx="1609027" cy="1192412"/>
           </a:xfrm>
-        </p:grpSpPr>
-        <p:sp>
-          <p:nvSpPr>
-            <p:cNvPr id="85" name="Rectangle 84">
-              <a:extLst>
-                <a:ext uri="{FF2B5EF4-FFF2-40B4-BE49-F238E27FC236}">
-                  <a16:creationId xmlns:a16="http://schemas.microsoft.com/office/drawing/2014/main" id="{8862A794-4B1C-CD46-8539-EE4D5CC1F571}"/>
-                </a:ext>
-              </a:extLst>
-            </p:cNvPr>
-            <p:cNvSpPr/>
-            <p:nvPr/>
-          </p:nvSpPr>
-          <p:spPr>
-            <a:xfrm>
-              <a:off x="758253" y="5722303"/>
-              <a:ext cx="1479728" cy="523112"/>
-            </a:xfrm>
-            <a:prstGeom prst="rect">
-              <a:avLst/>
-            </a:prstGeom>
-            <a:noFill/>
-            <a:ln w="12700">
+          <a:prstGeom prst="rect">
+            <a:avLst/>
+          </a:prstGeom>
+          <a:noFill/>
+          <a:ln w="12700">
+            <a:solidFill>
+              <a:schemeClr val="tx1"/>
+            </a:solidFill>
+          </a:ln>
+        </p:spPr>
+        <p:style>
+          <a:lnRef idx="2">
+            <a:schemeClr val="accent1">
+              <a:shade val="50000"/>
+            </a:schemeClr>
+          </a:lnRef>
+          <a:fillRef idx="1">
+            <a:schemeClr val="accent1"/>
+          </a:fillRef>
+          <a:effectRef idx="0">
+            <a:schemeClr val="accent1"/>
+          </a:effectRef>
+          <a:fontRef idx="minor">
+            <a:schemeClr val="lt1"/>
+          </a:fontRef>
+        </p:style>
+        <p:txBody>
+          <a:bodyPr lIns="502920" tIns="91440"/>
+          <a:lstStyle/>
+          <a:p>
+            <a:pPr eaLnBrk="1" fontAlgn="auto" hangingPunct="1">
+              <a:spcBef>
+                <a:spcPts val="0"/>
+              </a:spcBef>
+              <a:spcAft>
+                <a:spcPts val="0"/>
+              </a:spcAft>
+              <a:defRPr/>
+            </a:pPr>
+            <a:endParaRPr lang="en-US" sz="1200" dirty="0">
               <a:solidFill>
-                <a:schemeClr val="tx1"/>
+                <a:sysClr val="windowText" lastClr="000000"/>
               </a:solidFill>
-            </a:ln>
-          </p:spPr>
-          <p:style>
-            <a:lnRef idx="2">
-              <a:schemeClr val="accent1">
-                <a:shade val="50000"/>
-              </a:schemeClr>
-            </a:lnRef>
-            <a:fillRef idx="1">
-              <a:schemeClr val="accent1"/>
-            </a:fillRef>
-            <a:effectRef idx="0">
-              <a:schemeClr val="accent1"/>
-            </a:effectRef>
-            <a:fontRef idx="minor">
-              <a:schemeClr val="lt1"/>
-            </a:fontRef>
-          </p:style>
-          <p:txBody>
-            <a:bodyPr lIns="502920" tIns="91440"/>
-            <a:lstStyle/>
-            <a:p>
-              <a:pPr eaLnBrk="1" fontAlgn="auto" hangingPunct="1">
-                <a:spcBef>
-                  <a:spcPts val="0"/>
-                </a:spcBef>
-                <a:spcAft>
-                  <a:spcPts val="0"/>
-                </a:spcAft>
-                <a:defRPr/>
-              </a:pPr>
-              <a:r>
-                <a:rPr lang="en-US" sz="1200" dirty="0">
-                  <a:solidFill>
-                    <a:sysClr val="windowText" lastClr="000000"/>
-                  </a:solidFill>
-                  <a:latin typeface="Arial" panose="020B0604020202020204" pitchFamily="34" charset="0"/>
-                  <a:cs typeface="Arial" panose="020B0604020202020204" pitchFamily="34" charset="0"/>
-                </a:rPr>
-                <a:t>Sandbox OU</a:t>
-              </a:r>
-            </a:p>
-          </p:txBody>
-        </p:sp>
-        <p:pic>
-          <p:nvPicPr>
-            <p:cNvPr id="86" name="Graphic 85">
-              <a:extLst>
-                <a:ext uri="{FF2B5EF4-FFF2-40B4-BE49-F238E27FC236}">
-                  <a16:creationId xmlns:a16="http://schemas.microsoft.com/office/drawing/2014/main" id="{EA13B265-9947-E04A-99DC-5889A5FB9E14}"/>
-                </a:ext>
-              </a:extLst>
-            </p:cNvPr>
-            <p:cNvPicPr>
-              <a:picLocks noChangeAspect="1"/>
-            </p:cNvPicPr>
-            <p:nvPr/>
-          </p:nvPicPr>
-          <p:blipFill>
-            <a:blip r:embed="rId2">
-              <a:extLst>
-                <a:ext uri="{96DAC541-7B7A-43D3-8B79-37D633B846F1}">
-                  <asvg:svgBlip xmlns:asvg="http://schemas.microsoft.com/office/drawing/2016/SVG/main" r:embed="rId3"/>
-                </a:ext>
-              </a:extLst>
-            </a:blip>
-            <a:srcRect/>
-            <a:stretch/>
-          </p:blipFill>
-          <p:spPr>
-            <a:xfrm>
-              <a:off x="758253" y="5722302"/>
-              <a:ext cx="381000" cy="381000"/>
-            </a:xfrm>
-            <a:prstGeom prst="rect">
-              <a:avLst/>
-            </a:prstGeom>
-          </p:spPr>
-        </p:pic>
-      </p:grpSp>
-      <p:grpSp>
-        <p:nvGrpSpPr>
-          <p:cNvPr id="32" name="Group 31">
-            <a:extLst>
-              <a:ext uri="{FF2B5EF4-FFF2-40B4-BE49-F238E27FC236}">
-                <a16:creationId xmlns:a16="http://schemas.microsoft.com/office/drawing/2014/main" id="{C61DC787-67B2-2C41-AB14-6EB789B67487}"/>
-              </a:ext>
-            </a:extLst>
-          </p:cNvPr>
-          <p:cNvGrpSpPr/>
+              <a:latin typeface="Arial" panose="020B0604020202020204" pitchFamily="34" charset="0"/>
+              <a:cs typeface="Arial" panose="020B0604020202020204" pitchFamily="34" charset="0"/>
+            </a:endParaRPr>
+          </a:p>
+        </p:txBody>
+      </p:sp>
+      <p:sp>
+        <p:nvSpPr>
+          <p:cNvPr id="96" name="Rectangle 95">
+            <a:extLst>
+              <a:ext uri="{FF2B5EF4-FFF2-40B4-BE49-F238E27FC236}">
+                <a16:creationId xmlns:a16="http://schemas.microsoft.com/office/drawing/2014/main" id="{11019322-BC82-D248-B991-5F125F82ADE1}"/>
+              </a:ext>
+            </a:extLst>
+          </p:cNvPr>
+          <p:cNvSpPr/>
           <p:nvPr/>
-        </p:nvGrpSpPr>
-        <p:grpSpPr>
+        </p:nvSpPr>
+        <p:spPr>
           <a:xfrm>
-            <a:off x="2575956" y="5468053"/>
-            <a:ext cx="1701513" cy="610309"/>
-            <a:chOff x="2575956" y="5505124"/>
-            <a:chExt cx="1701513" cy="610309"/>
+            <a:off x="3856178" y="5580987"/>
+            <a:ext cx="1637595" cy="1138366"/>
           </a:xfrm>
-        </p:grpSpPr>
-        <p:sp>
-          <p:nvSpPr>
-            <p:cNvPr id="94" name="Rectangle 93">
-              <a:extLst>
-                <a:ext uri="{FF2B5EF4-FFF2-40B4-BE49-F238E27FC236}">
-                  <a16:creationId xmlns:a16="http://schemas.microsoft.com/office/drawing/2014/main" id="{42775337-BA37-1F40-BFD6-A1376016E41E}"/>
-                </a:ext>
-              </a:extLst>
-            </p:cNvPr>
-            <p:cNvSpPr/>
-            <p:nvPr/>
-          </p:nvSpPr>
-          <p:spPr>
-            <a:xfrm>
-              <a:off x="2668443" y="5505124"/>
-              <a:ext cx="1609026" cy="523112"/>
-            </a:xfrm>
-            <a:prstGeom prst="rect">
-              <a:avLst/>
-            </a:prstGeom>
-            <a:noFill/>
-            <a:ln w="12700">
-              <a:solidFill>
-                <a:schemeClr val="tx1"/>
-              </a:solidFill>
-            </a:ln>
-          </p:spPr>
-          <p:style>
-            <a:lnRef idx="2">
-              <a:schemeClr val="accent1">
-                <a:shade val="50000"/>
-              </a:schemeClr>
-            </a:lnRef>
-            <a:fillRef idx="1">
-              <a:schemeClr val="accent1"/>
-            </a:fillRef>
-            <a:effectRef idx="0">
-              <a:schemeClr val="accent1"/>
-            </a:effectRef>
-            <a:fontRef idx="minor">
-              <a:schemeClr val="lt1"/>
-            </a:fontRef>
-          </p:style>
-          <p:txBody>
-            <a:bodyPr lIns="502920" tIns="91440"/>
-            <a:lstStyle/>
-            <a:p>
-              <a:pPr eaLnBrk="1" fontAlgn="auto" hangingPunct="1">
-                <a:spcBef>
-                  <a:spcPts val="0"/>
-                </a:spcBef>
-                <a:spcAft>
-                  <a:spcPts val="0"/>
-                </a:spcAft>
-                <a:defRPr/>
-              </a:pPr>
-              <a:endParaRPr lang="en-US" sz="1200" dirty="0">
+          <a:prstGeom prst="rect">
+            <a:avLst/>
+          </a:prstGeom>
+          <a:solidFill>
+            <a:schemeClr val="bg1"/>
+          </a:solidFill>
+          <a:ln w="12700">
+            <a:solidFill>
+              <a:schemeClr val="tx1"/>
+            </a:solidFill>
+          </a:ln>
+        </p:spPr>
+        <p:style>
+          <a:lnRef idx="2">
+            <a:schemeClr val="accent1">
+              <a:shade val="50000"/>
+            </a:schemeClr>
+          </a:lnRef>
+          <a:fillRef idx="1">
+            <a:schemeClr val="accent1"/>
+          </a:fillRef>
+          <a:effectRef idx="0">
+            <a:schemeClr val="accent1"/>
+          </a:effectRef>
+          <a:fontRef idx="minor">
+            <a:schemeClr val="lt1"/>
+          </a:fontRef>
+        </p:style>
+        <p:txBody>
+          <a:bodyPr lIns="502920" tIns="91440"/>
+          <a:lstStyle/>
+          <a:p>
+            <a:pPr eaLnBrk="1" fontAlgn="auto" hangingPunct="1">
+              <a:spcBef>
+                <a:spcPts val="0"/>
+              </a:spcBef>
+              <a:spcAft>
+                <a:spcPts val="0"/>
+              </a:spcAft>
+              <a:defRPr/>
+            </a:pPr>
+            <a:r>
+              <a:rPr lang="en-US" sz="1200" dirty="0">
                 <a:solidFill>
                   <a:sysClr val="windowText" lastClr="000000"/>
                 </a:solidFill>
                 <a:latin typeface="Arial" panose="020B0604020202020204" pitchFamily="34" charset="0"/>
                 <a:cs typeface="Arial" panose="020B0604020202020204" pitchFamily="34" charset="0"/>
-              </a:endParaRPr>
-            </a:p>
-          </p:txBody>
-        </p:sp>
-        <p:sp>
-          <p:nvSpPr>
-            <p:cNvPr id="92" name="Rectangle 91">
-              <a:extLst>
-                <a:ext uri="{FF2B5EF4-FFF2-40B4-BE49-F238E27FC236}">
-                  <a16:creationId xmlns:a16="http://schemas.microsoft.com/office/drawing/2014/main" id="{333E4939-AB7F-1E49-BA53-74852887A662}"/>
-                </a:ext>
-              </a:extLst>
-            </p:cNvPr>
-            <p:cNvSpPr/>
-            <p:nvPr/>
-          </p:nvSpPr>
-          <p:spPr>
-            <a:xfrm>
-              <a:off x="2575956" y="5592321"/>
-              <a:ext cx="1613363" cy="523112"/>
-            </a:xfrm>
-            <a:prstGeom prst="rect">
-              <a:avLst/>
-            </a:prstGeom>
-            <a:solidFill>
-              <a:schemeClr val="bg1"/>
-            </a:solidFill>
-            <a:ln w="12700">
-              <a:solidFill>
-                <a:schemeClr val="tx1"/>
-              </a:solidFill>
-            </a:ln>
-          </p:spPr>
-          <p:style>
-            <a:lnRef idx="2">
-              <a:schemeClr val="accent1">
-                <a:shade val="50000"/>
-              </a:schemeClr>
-            </a:lnRef>
-            <a:fillRef idx="1">
-              <a:schemeClr val="accent1"/>
-            </a:fillRef>
-            <a:effectRef idx="0">
-              <a:schemeClr val="accent1"/>
-            </a:effectRef>
-            <a:fontRef idx="minor">
-              <a:schemeClr val="lt1"/>
-            </a:fontRef>
-          </p:style>
-          <p:txBody>
-            <a:bodyPr lIns="502920" tIns="91440"/>
-            <a:lstStyle/>
-            <a:p>
-              <a:pPr eaLnBrk="1" fontAlgn="auto" hangingPunct="1">
-                <a:spcBef>
-                  <a:spcPts val="0"/>
-                </a:spcBef>
-                <a:spcAft>
-                  <a:spcPts val="0"/>
-                </a:spcAft>
-                <a:defRPr/>
-              </a:pPr>
-              <a:r>
-                <a:rPr lang="en-US" sz="1200" dirty="0">
-                  <a:solidFill>
-                    <a:sysClr val="windowText" lastClr="000000"/>
-                  </a:solidFill>
-                  <a:latin typeface="Arial" panose="020B0604020202020204" pitchFamily="34" charset="0"/>
-                  <a:cs typeface="Arial" panose="020B0604020202020204" pitchFamily="34" charset="0"/>
-                </a:rPr>
-                <a:t>AWS Accounts</a:t>
-              </a:r>
-            </a:p>
-          </p:txBody>
-        </p:sp>
-        <p:pic>
-          <p:nvPicPr>
-            <p:cNvPr id="93" name="Graphic 92">
-              <a:extLst>
-                <a:ext uri="{FF2B5EF4-FFF2-40B4-BE49-F238E27FC236}">
-                  <a16:creationId xmlns:a16="http://schemas.microsoft.com/office/drawing/2014/main" id="{BAF6F2FE-9BA0-284B-A276-3C019FE9741E}"/>
-                </a:ext>
-              </a:extLst>
-            </p:cNvPr>
-            <p:cNvPicPr>
-              <a:picLocks noChangeAspect="1"/>
-            </p:cNvPicPr>
-            <p:nvPr/>
-          </p:nvPicPr>
-          <p:blipFill>
-            <a:blip r:embed="rId2">
-              <a:extLst>
-                <a:ext uri="{96DAC541-7B7A-43D3-8B79-37D633B846F1}">
-                  <asvg:svgBlip xmlns:asvg="http://schemas.microsoft.com/office/drawing/2016/SVG/main" r:embed="rId3"/>
-                </a:ext>
-              </a:extLst>
-            </a:blip>
-            <a:srcRect/>
-            <a:stretch/>
-          </p:blipFill>
-          <p:spPr>
-            <a:xfrm>
-              <a:off x="2580293" y="5611089"/>
-              <a:ext cx="381000" cy="381000"/>
-            </a:xfrm>
-            <a:prstGeom prst="rect">
-              <a:avLst/>
-            </a:prstGeom>
-          </p:spPr>
-        </p:pic>
-      </p:grpSp>
-      <p:grpSp>
-        <p:nvGrpSpPr>
-          <p:cNvPr id="31" name="Group 30">
-            <a:extLst>
-              <a:ext uri="{FF2B5EF4-FFF2-40B4-BE49-F238E27FC236}">
-                <a16:creationId xmlns:a16="http://schemas.microsoft.com/office/drawing/2014/main" id="{6D55D811-9FBC-6442-9E73-5D31E2DFE0DD}"/>
-              </a:ext>
-            </a:extLst>
-          </p:cNvPr>
-          <p:cNvGrpSpPr/>
+              </a:rPr>
+              <a:t>AWS OUs</a:t>
+            </a:r>
+          </a:p>
+        </p:txBody>
+      </p:sp>
+      <p:pic>
+        <p:nvPicPr>
+          <p:cNvPr id="97" name="Graphic 96">
+            <a:extLst>
+              <a:ext uri="{FF2B5EF4-FFF2-40B4-BE49-F238E27FC236}">
+                <a16:creationId xmlns:a16="http://schemas.microsoft.com/office/drawing/2014/main" id="{86B3418F-A806-C74C-B551-B2163B737CC4}"/>
+              </a:ext>
+            </a:extLst>
+          </p:cNvPr>
+          <p:cNvPicPr>
+            <a:picLocks noChangeAspect="1"/>
+          </p:cNvPicPr>
           <p:nvPr/>
-        </p:nvGrpSpPr>
-        <p:grpSpPr>
+        </p:nvPicPr>
+        <p:blipFill>
+          <a:blip r:embed="rId2">
+            <a:extLst>
+              <a:ext uri="{96DAC541-7B7A-43D3-8B79-37D633B846F1}">
+                <asvg:svgBlip xmlns:asvg="http://schemas.microsoft.com/office/drawing/2016/SVG/main" r:embed="rId3"/>
+              </a:ext>
+            </a:extLst>
+          </a:blip>
+          <a:srcRect/>
+          <a:stretch/>
+        </p:blipFill>
+        <p:spPr>
           <a:xfrm>
-            <a:off x="4801160" y="5474037"/>
-            <a:ext cx="1701513" cy="610309"/>
-            <a:chOff x="4801160" y="5511108"/>
-            <a:chExt cx="1701513" cy="610309"/>
+            <a:off x="3860515" y="5599755"/>
+            <a:ext cx="381000" cy="381000"/>
           </a:xfrm>
-        </p:grpSpPr>
-        <p:sp>
-          <p:nvSpPr>
-            <p:cNvPr id="95" name="Rectangle 94">
-              <a:extLst>
-                <a:ext uri="{FF2B5EF4-FFF2-40B4-BE49-F238E27FC236}">
-                  <a16:creationId xmlns:a16="http://schemas.microsoft.com/office/drawing/2014/main" id="{704AC11D-8F3F-4148-9EFF-BB9EC11876EB}"/>
-                </a:ext>
-              </a:extLst>
-            </p:cNvPr>
-            <p:cNvSpPr/>
-            <p:nvPr/>
-          </p:nvSpPr>
-          <p:spPr>
-            <a:xfrm>
-              <a:off x="4893646" y="5511108"/>
-              <a:ext cx="1609027" cy="523112"/>
-            </a:xfrm>
-            <a:prstGeom prst="rect">
-              <a:avLst/>
-            </a:prstGeom>
-            <a:noFill/>
-            <a:ln w="12700">
-              <a:solidFill>
-                <a:schemeClr val="tx1"/>
-              </a:solidFill>
-            </a:ln>
-          </p:spPr>
-          <p:style>
-            <a:lnRef idx="2">
-              <a:schemeClr val="accent1">
-                <a:shade val="50000"/>
-              </a:schemeClr>
-            </a:lnRef>
-            <a:fillRef idx="1">
-              <a:schemeClr val="accent1"/>
-            </a:fillRef>
-            <a:effectRef idx="0">
-              <a:schemeClr val="accent1"/>
-            </a:effectRef>
-            <a:fontRef idx="minor">
-              <a:schemeClr val="lt1"/>
-            </a:fontRef>
-          </p:style>
-          <p:txBody>
-            <a:bodyPr lIns="502920" tIns="91440"/>
-            <a:lstStyle/>
-            <a:p>
-              <a:pPr eaLnBrk="1" fontAlgn="auto" hangingPunct="1">
-                <a:spcBef>
-                  <a:spcPts val="0"/>
-                </a:spcBef>
-                <a:spcAft>
-                  <a:spcPts val="0"/>
-                </a:spcAft>
-                <a:defRPr/>
-              </a:pPr>
-              <a:endParaRPr lang="en-US" sz="1200" dirty="0">
-                <a:solidFill>
-                  <a:sysClr val="windowText" lastClr="000000"/>
-                </a:solidFill>
-                <a:latin typeface="Arial" panose="020B0604020202020204" pitchFamily="34" charset="0"/>
-                <a:cs typeface="Arial" panose="020B0604020202020204" pitchFamily="34" charset="0"/>
-              </a:endParaRPr>
-            </a:p>
-          </p:txBody>
-        </p:sp>
-        <p:sp>
-          <p:nvSpPr>
-            <p:cNvPr id="96" name="Rectangle 95">
-              <a:extLst>
-                <a:ext uri="{FF2B5EF4-FFF2-40B4-BE49-F238E27FC236}">
-                  <a16:creationId xmlns:a16="http://schemas.microsoft.com/office/drawing/2014/main" id="{11019322-BC82-D248-B991-5F125F82ADE1}"/>
-                </a:ext>
-              </a:extLst>
-            </p:cNvPr>
-            <p:cNvSpPr/>
-            <p:nvPr/>
-          </p:nvSpPr>
-          <p:spPr>
-            <a:xfrm>
-              <a:off x="4801160" y="5598305"/>
-              <a:ext cx="1609027" cy="523112"/>
-            </a:xfrm>
-            <a:prstGeom prst="rect">
-              <a:avLst/>
-            </a:prstGeom>
-            <a:solidFill>
-              <a:schemeClr val="bg1"/>
-            </a:solidFill>
-            <a:ln w="12700">
-              <a:solidFill>
-                <a:schemeClr val="tx1"/>
-              </a:solidFill>
-            </a:ln>
-          </p:spPr>
-          <p:style>
-            <a:lnRef idx="2">
-              <a:schemeClr val="accent1">
-                <a:shade val="50000"/>
-              </a:schemeClr>
-            </a:lnRef>
-            <a:fillRef idx="1">
-              <a:schemeClr val="accent1"/>
-            </a:fillRef>
-            <a:effectRef idx="0">
-              <a:schemeClr val="accent1"/>
-            </a:effectRef>
-            <a:fontRef idx="minor">
-              <a:schemeClr val="lt1"/>
-            </a:fontRef>
-          </p:style>
-          <p:txBody>
-            <a:bodyPr lIns="502920" tIns="91440"/>
-            <a:lstStyle/>
-            <a:p>
-              <a:pPr eaLnBrk="1" fontAlgn="auto" hangingPunct="1">
-                <a:spcBef>
-                  <a:spcPts val="0"/>
-                </a:spcBef>
-                <a:spcAft>
-                  <a:spcPts val="0"/>
-                </a:spcAft>
-                <a:defRPr/>
-              </a:pPr>
-              <a:r>
-                <a:rPr lang="en-US" sz="1200" dirty="0">
-                  <a:solidFill>
-                    <a:sysClr val="windowText" lastClr="000000"/>
-                  </a:solidFill>
-                  <a:latin typeface="Arial" panose="020B0604020202020204" pitchFamily="34" charset="0"/>
-                  <a:cs typeface="Arial" panose="020B0604020202020204" pitchFamily="34" charset="0"/>
-                </a:rPr>
-                <a:t>AWS Accounts</a:t>
-              </a:r>
-            </a:p>
-          </p:txBody>
-        </p:sp>
-        <p:pic>
-          <p:nvPicPr>
-            <p:cNvPr id="97" name="Graphic 96">
-              <a:extLst>
-                <a:ext uri="{FF2B5EF4-FFF2-40B4-BE49-F238E27FC236}">
-                  <a16:creationId xmlns:a16="http://schemas.microsoft.com/office/drawing/2014/main" id="{86B3418F-A806-C74C-B551-B2163B737CC4}"/>
-                </a:ext>
-              </a:extLst>
-            </p:cNvPr>
-            <p:cNvPicPr>
-              <a:picLocks noChangeAspect="1"/>
-            </p:cNvPicPr>
-            <p:nvPr/>
-          </p:nvPicPr>
-          <p:blipFill>
-            <a:blip r:embed="rId2">
-              <a:extLst>
-                <a:ext uri="{96DAC541-7B7A-43D3-8B79-37D633B846F1}">
-                  <asvg:svgBlip xmlns:asvg="http://schemas.microsoft.com/office/drawing/2016/SVG/main" r:embed="rId3"/>
-                </a:ext>
-              </a:extLst>
-            </a:blip>
-            <a:srcRect/>
-            <a:stretch/>
-          </p:blipFill>
-          <p:spPr>
-            <a:xfrm>
-              <a:off x="4805497" y="5617073"/>
-              <a:ext cx="381000" cy="381000"/>
-            </a:xfrm>
-            <a:prstGeom prst="rect">
-              <a:avLst/>
-            </a:prstGeom>
-          </p:spPr>
-        </p:pic>
-      </p:grpSp>
+          <a:prstGeom prst="rect">
+            <a:avLst/>
+          </a:prstGeom>
+        </p:spPr>
+      </p:pic>
       <p:cxnSp>
         <p:nvCxnSpPr>
           <p:cNvPr id="98" name="Straight Arrow Connector 97">
@@ -5554,204 +5215,6 @@
           </a:fontRef>
         </p:style>
       </p:cxnSp>
-      <p:grpSp>
-        <p:nvGrpSpPr>
-          <p:cNvPr id="25" name="Group 24">
-            <a:extLst>
-              <a:ext uri="{FF2B5EF4-FFF2-40B4-BE49-F238E27FC236}">
-                <a16:creationId xmlns:a16="http://schemas.microsoft.com/office/drawing/2014/main" id="{20BF8588-A071-AC4C-A2DE-CCC9A27E9800}"/>
-              </a:ext>
-            </a:extLst>
-          </p:cNvPr>
-          <p:cNvGrpSpPr/>
-          <p:nvPr/>
-        </p:nvGrpSpPr>
-        <p:grpSpPr>
-          <a:xfrm>
-            <a:off x="744179" y="6233143"/>
-            <a:ext cx="1547644" cy="453923"/>
-            <a:chOff x="744591" y="6343747"/>
-            <a:chExt cx="1547644" cy="453923"/>
-          </a:xfrm>
-        </p:grpSpPr>
-        <p:sp>
-          <p:nvSpPr>
-            <p:cNvPr id="123" name="Rectangle 122">
-              <a:extLst>
-                <a:ext uri="{FF2B5EF4-FFF2-40B4-BE49-F238E27FC236}">
-                  <a16:creationId xmlns:a16="http://schemas.microsoft.com/office/drawing/2014/main" id="{2DC1D068-BCF9-754D-BE8E-617D6830E3B6}"/>
-                </a:ext>
-              </a:extLst>
-            </p:cNvPr>
-            <p:cNvSpPr/>
-            <p:nvPr/>
-          </p:nvSpPr>
-          <p:spPr>
-            <a:xfrm>
-              <a:off x="798846" y="6343747"/>
-              <a:ext cx="1493389" cy="381000"/>
-            </a:xfrm>
-            <a:prstGeom prst="rect">
-              <a:avLst/>
-            </a:prstGeom>
-            <a:solidFill>
-              <a:schemeClr val="bg1"/>
-            </a:solidFill>
-            <a:ln w="12700">
-              <a:solidFill>
-                <a:srgbClr val="1E8900"/>
-              </a:solidFill>
-            </a:ln>
-          </p:spPr>
-          <p:style>
-            <a:lnRef idx="2">
-              <a:schemeClr val="accent1">
-                <a:shade val="50000"/>
-              </a:schemeClr>
-            </a:lnRef>
-            <a:fillRef idx="1">
-              <a:schemeClr val="accent1"/>
-            </a:fillRef>
-            <a:effectRef idx="0">
-              <a:schemeClr val="accent1"/>
-            </a:effectRef>
-            <a:fontRef idx="minor">
-              <a:schemeClr val="lt1"/>
-            </a:fontRef>
-          </p:style>
-          <p:txBody>
-            <a:bodyPr lIns="502920" tIns="91440"/>
-            <a:lstStyle/>
-            <a:p>
-              <a:pPr eaLnBrk="1" fontAlgn="auto" hangingPunct="1">
-                <a:spcBef>
-                  <a:spcPts val="0"/>
-                </a:spcBef>
-                <a:spcAft>
-                  <a:spcPts val="0"/>
-                </a:spcAft>
-                <a:defRPr/>
-              </a:pPr>
-              <a:endParaRPr lang="en-US" sz="1200" dirty="0">
-                <a:ln w="0"/>
-                <a:solidFill>
-                  <a:srgbClr val="1E8900"/>
-                </a:solidFill>
-                <a:latin typeface="Arial" panose="020B0604020202020204" pitchFamily="34" charset="0"/>
-                <a:cs typeface="Arial" panose="020B0604020202020204" pitchFamily="34" charset="0"/>
-              </a:endParaRPr>
-            </a:p>
-          </p:txBody>
-        </p:sp>
-        <p:sp>
-          <p:nvSpPr>
-            <p:cNvPr id="119" name="Rectangle 118">
-              <a:extLst>
-                <a:ext uri="{FF2B5EF4-FFF2-40B4-BE49-F238E27FC236}">
-                  <a16:creationId xmlns:a16="http://schemas.microsoft.com/office/drawing/2014/main" id="{EA121EF2-0F55-F24E-8AB1-A43B82E204A6}"/>
-                </a:ext>
-              </a:extLst>
-            </p:cNvPr>
-            <p:cNvSpPr/>
-            <p:nvPr/>
-          </p:nvSpPr>
-          <p:spPr>
-            <a:xfrm>
-              <a:off x="744591" y="6413499"/>
-              <a:ext cx="1493389" cy="381000"/>
-            </a:xfrm>
-            <a:prstGeom prst="rect">
-              <a:avLst/>
-            </a:prstGeom>
-            <a:solidFill>
-              <a:schemeClr val="bg1"/>
-            </a:solidFill>
-            <a:ln w="12700">
-              <a:solidFill>
-                <a:srgbClr val="1E8900"/>
-              </a:solidFill>
-            </a:ln>
-          </p:spPr>
-          <p:style>
-            <a:lnRef idx="2">
-              <a:schemeClr val="accent1">
-                <a:shade val="50000"/>
-              </a:schemeClr>
-            </a:lnRef>
-            <a:fillRef idx="1">
-              <a:schemeClr val="accent1"/>
-            </a:fillRef>
-            <a:effectRef idx="0">
-              <a:schemeClr val="accent1"/>
-            </a:effectRef>
-            <a:fontRef idx="minor">
-              <a:schemeClr val="lt1"/>
-            </a:fontRef>
-          </p:style>
-          <p:txBody>
-            <a:bodyPr lIns="502920" tIns="91440"/>
-            <a:lstStyle/>
-            <a:p>
-              <a:pPr eaLnBrk="1" fontAlgn="auto" hangingPunct="1">
-                <a:spcBef>
-                  <a:spcPts val="0"/>
-                </a:spcBef>
-                <a:spcAft>
-                  <a:spcPts val="0"/>
-                </a:spcAft>
-                <a:defRPr/>
-              </a:pPr>
-              <a:r>
-                <a:rPr lang="en-US" sz="1200" dirty="0">
-                  <a:ln w="0"/>
-                  <a:solidFill>
-                    <a:schemeClr val="tx1"/>
-                  </a:solidFill>
-                  <a:latin typeface="Arial" panose="020B0604020202020204" pitchFamily="34" charset="0"/>
-                  <a:cs typeface="Arial" panose="020B0604020202020204" pitchFamily="34" charset="0"/>
-                </a:rPr>
-                <a:t>VPC</a:t>
-              </a:r>
-            </a:p>
-          </p:txBody>
-        </p:sp>
-        <p:pic>
-          <p:nvPicPr>
-            <p:cNvPr id="122" name="Graphic 121">
-              <a:extLst>
-                <a:ext uri="{FF2B5EF4-FFF2-40B4-BE49-F238E27FC236}">
-                  <a16:creationId xmlns:a16="http://schemas.microsoft.com/office/drawing/2014/main" id="{A5BA268E-0E20-C94B-938D-75EE7B003F55}"/>
-                </a:ext>
-              </a:extLst>
-            </p:cNvPr>
-            <p:cNvPicPr>
-              <a:picLocks noChangeAspect="1"/>
-            </p:cNvPicPr>
-            <p:nvPr/>
-          </p:nvPicPr>
-          <p:blipFill>
-            <a:blip r:embed="rId4">
-              <a:extLst>
-                <a:ext uri="{96DAC541-7B7A-43D3-8B79-37D633B846F1}">
-                  <asvg:svgBlip xmlns:asvg="http://schemas.microsoft.com/office/drawing/2016/SVG/main" r:embed="rId5"/>
-                </a:ext>
-              </a:extLst>
-            </a:blip>
-            <a:stretch>
-              <a:fillRect/>
-            </a:stretch>
-          </p:blipFill>
-          <p:spPr>
-            <a:xfrm>
-              <a:off x="758253" y="6416670"/>
-              <a:ext cx="381000" cy="381000"/>
-            </a:xfrm>
-            <a:prstGeom prst="rect">
-              <a:avLst/>
-            </a:prstGeom>
-          </p:spPr>
-        </p:pic>
-      </p:grpSp>
       <p:sp>
         <p:nvSpPr>
           <p:cNvPr id="139" name="Rectangle 138">
@@ -5824,10 +5287,10 @@
       </p:sp>
       <p:grpSp>
         <p:nvGrpSpPr>
-          <p:cNvPr id="125" name="Group 124">
-            <a:extLst>
-              <a:ext uri="{FF2B5EF4-FFF2-40B4-BE49-F238E27FC236}">
-                <a16:creationId xmlns:a16="http://schemas.microsoft.com/office/drawing/2014/main" id="{A10A2F96-5723-764C-BC21-702B80026E47}"/>
+          <p:cNvPr id="129" name="Group 128">
+            <a:extLst>
+              <a:ext uri="{FF2B5EF4-FFF2-40B4-BE49-F238E27FC236}">
+                <a16:creationId xmlns:a16="http://schemas.microsoft.com/office/drawing/2014/main" id="{6AB7F957-26CA-DC42-BE7F-D4C4C4F42BC1}"/>
               </a:ext>
             </a:extLst>
           </p:cNvPr>
@@ -5836,205 +5299,7 @@
         </p:nvGrpSpPr>
         <p:grpSpPr>
           <a:xfrm>
-            <a:off x="2616728" y="6229644"/>
-            <a:ext cx="1547644" cy="453923"/>
-            <a:chOff x="744591" y="6343747"/>
-            <a:chExt cx="1547644" cy="453923"/>
-          </a:xfrm>
-        </p:grpSpPr>
-        <p:sp>
-          <p:nvSpPr>
-            <p:cNvPr id="126" name="Rectangle 125">
-              <a:extLst>
-                <a:ext uri="{FF2B5EF4-FFF2-40B4-BE49-F238E27FC236}">
-                  <a16:creationId xmlns:a16="http://schemas.microsoft.com/office/drawing/2014/main" id="{E87965C8-6F85-1743-BD67-A32A2C09C30D}"/>
-                </a:ext>
-              </a:extLst>
-            </p:cNvPr>
-            <p:cNvSpPr/>
-            <p:nvPr/>
-          </p:nvSpPr>
-          <p:spPr>
-            <a:xfrm>
-              <a:off x="798846" y="6343747"/>
-              <a:ext cx="1493389" cy="381000"/>
-            </a:xfrm>
-            <a:prstGeom prst="rect">
-              <a:avLst/>
-            </a:prstGeom>
-            <a:solidFill>
-              <a:schemeClr val="bg1"/>
-            </a:solidFill>
-            <a:ln w="12700">
-              <a:solidFill>
-                <a:srgbClr val="1E8900"/>
-              </a:solidFill>
-            </a:ln>
-          </p:spPr>
-          <p:style>
-            <a:lnRef idx="2">
-              <a:schemeClr val="accent1">
-                <a:shade val="50000"/>
-              </a:schemeClr>
-            </a:lnRef>
-            <a:fillRef idx="1">
-              <a:schemeClr val="accent1"/>
-            </a:fillRef>
-            <a:effectRef idx="0">
-              <a:schemeClr val="accent1"/>
-            </a:effectRef>
-            <a:fontRef idx="minor">
-              <a:schemeClr val="lt1"/>
-            </a:fontRef>
-          </p:style>
-          <p:txBody>
-            <a:bodyPr lIns="502920" tIns="91440"/>
-            <a:lstStyle/>
-            <a:p>
-              <a:pPr eaLnBrk="1" fontAlgn="auto" hangingPunct="1">
-                <a:spcBef>
-                  <a:spcPts val="0"/>
-                </a:spcBef>
-                <a:spcAft>
-                  <a:spcPts val="0"/>
-                </a:spcAft>
-                <a:defRPr/>
-              </a:pPr>
-              <a:endParaRPr lang="en-US" sz="1200" dirty="0">
-                <a:ln w="0"/>
-                <a:solidFill>
-                  <a:srgbClr val="1E8900"/>
-                </a:solidFill>
-                <a:latin typeface="Arial" panose="020B0604020202020204" pitchFamily="34" charset="0"/>
-                <a:cs typeface="Arial" panose="020B0604020202020204" pitchFamily="34" charset="0"/>
-              </a:endParaRPr>
-            </a:p>
-          </p:txBody>
-        </p:sp>
-        <p:sp>
-          <p:nvSpPr>
-            <p:cNvPr id="127" name="Rectangle 126">
-              <a:extLst>
-                <a:ext uri="{FF2B5EF4-FFF2-40B4-BE49-F238E27FC236}">
-                  <a16:creationId xmlns:a16="http://schemas.microsoft.com/office/drawing/2014/main" id="{AA5C48AB-10BF-834D-B861-AB8012932BD6}"/>
-                </a:ext>
-              </a:extLst>
-            </p:cNvPr>
-            <p:cNvSpPr/>
-            <p:nvPr/>
-          </p:nvSpPr>
-          <p:spPr>
-            <a:xfrm>
-              <a:off x="744591" y="6413499"/>
-              <a:ext cx="1493389" cy="381000"/>
-            </a:xfrm>
-            <a:prstGeom prst="rect">
-              <a:avLst/>
-            </a:prstGeom>
-            <a:solidFill>
-              <a:schemeClr val="bg1"/>
-            </a:solidFill>
-            <a:ln w="12700">
-              <a:solidFill>
-                <a:srgbClr val="1E8900"/>
-              </a:solidFill>
-            </a:ln>
-          </p:spPr>
-          <p:style>
-            <a:lnRef idx="2">
-              <a:schemeClr val="accent1">
-                <a:shade val="50000"/>
-              </a:schemeClr>
-            </a:lnRef>
-            <a:fillRef idx="1">
-              <a:schemeClr val="accent1"/>
-            </a:fillRef>
-            <a:effectRef idx="0">
-              <a:schemeClr val="accent1"/>
-            </a:effectRef>
-            <a:fontRef idx="minor">
-              <a:schemeClr val="lt1"/>
-            </a:fontRef>
-          </p:style>
-          <p:txBody>
-            <a:bodyPr lIns="502920" tIns="91440"/>
-            <a:lstStyle/>
-            <a:p>
-              <a:pPr eaLnBrk="1" fontAlgn="auto" hangingPunct="1">
-                <a:spcBef>
-                  <a:spcPts val="0"/>
-                </a:spcBef>
-                <a:spcAft>
-                  <a:spcPts val="0"/>
-                </a:spcAft>
-                <a:defRPr/>
-              </a:pPr>
-              <a:r>
-                <a:rPr lang="en-US" sz="1200" dirty="0">
-                  <a:ln w="0"/>
-                  <a:solidFill>
-                    <a:schemeClr val="tx1"/>
-                  </a:solidFill>
-                  <a:latin typeface="Arial" panose="020B0604020202020204" pitchFamily="34" charset="0"/>
-                  <a:cs typeface="Arial" panose="020B0604020202020204" pitchFamily="34" charset="0"/>
-                </a:rPr>
-                <a:t>VPC</a:t>
-              </a:r>
-            </a:p>
-          </p:txBody>
-        </p:sp>
-        <p:pic>
-          <p:nvPicPr>
-            <p:cNvPr id="128" name="Graphic 127">
-              <a:extLst>
-                <a:ext uri="{FF2B5EF4-FFF2-40B4-BE49-F238E27FC236}">
-                  <a16:creationId xmlns:a16="http://schemas.microsoft.com/office/drawing/2014/main" id="{E64F4F00-A66E-4540-B4E9-DB8110903FE8}"/>
-                </a:ext>
-              </a:extLst>
-            </p:cNvPr>
-            <p:cNvPicPr>
-              <a:picLocks noChangeAspect="1"/>
-            </p:cNvPicPr>
-            <p:nvPr/>
-          </p:nvPicPr>
-          <p:blipFill>
-            <a:blip r:embed="rId4">
-              <a:extLst>
-                <a:ext uri="{96DAC541-7B7A-43D3-8B79-37D633B846F1}">
-                  <asvg:svgBlip xmlns:asvg="http://schemas.microsoft.com/office/drawing/2016/SVG/main" r:embed="rId5"/>
-                </a:ext>
-              </a:extLst>
-            </a:blip>
-            <a:stretch>
-              <a:fillRect/>
-            </a:stretch>
-          </p:blipFill>
-          <p:spPr>
-            <a:xfrm>
-              <a:off x="758253" y="6416670"/>
-              <a:ext cx="381000" cy="381000"/>
-            </a:xfrm>
-            <a:prstGeom prst="rect">
-              <a:avLst/>
-            </a:prstGeom>
-          </p:spPr>
-        </p:pic>
-      </p:grpSp>
-      <p:grpSp>
-        <p:nvGrpSpPr>
-          <p:cNvPr id="129" name="Group 128">
-            <a:extLst>
-              <a:ext uri="{FF2B5EF4-FFF2-40B4-BE49-F238E27FC236}">
-                <a16:creationId xmlns:a16="http://schemas.microsoft.com/office/drawing/2014/main" id="{6AB7F957-26CA-DC42-BE7F-D4C4C4F42BC1}"/>
-              </a:ext>
-            </a:extLst>
-          </p:cNvPr>
-          <p:cNvGrpSpPr/>
-          <p:nvPr/>
-        </p:nvGrpSpPr>
-        <p:grpSpPr>
-          <a:xfrm>
-            <a:off x="4831851" y="6226473"/>
+            <a:off x="3886869" y="6122938"/>
             <a:ext cx="1547644" cy="453923"/>
             <a:chOff x="744591" y="6343747"/>
             <a:chExt cx="1547644" cy="453923"/>
@@ -7187,6 +6452,532 @@
           </p:txBody>
         </p:sp>
       </p:grpSp>
+      <p:sp>
+        <p:nvSpPr>
+          <p:cNvPr id="2" name="Rectangle 1">
+            <a:extLst>
+              <a:ext uri="{FF2B5EF4-FFF2-40B4-BE49-F238E27FC236}">
+                <a16:creationId xmlns:a16="http://schemas.microsoft.com/office/drawing/2014/main" id="{08743953-0045-FC45-935B-B769D873927C}"/>
+              </a:ext>
+            </a:extLst>
+          </p:cNvPr>
+          <p:cNvSpPr/>
+          <p:nvPr/>
+        </p:nvSpPr>
+        <p:spPr>
+          <a:xfrm>
+            <a:off x="6043788" y="5288257"/>
+            <a:ext cx="2586556" cy="1384995"/>
+          </a:xfrm>
+          <a:prstGeom prst="rect">
+            <a:avLst/>
+          </a:prstGeom>
+        </p:spPr>
+        <p:txBody>
+          <a:bodyPr wrap="square">
+            <a:spAutoFit/>
+          </a:bodyPr>
+          <a:lstStyle/>
+          <a:p>
+            <a:pPr>
+              <a:defRPr/>
+            </a:pPr>
+            <a:r>
+              <a:rPr lang="en-US" sz="1200" dirty="0">
+                <a:solidFill>
+                  <a:sysClr val="windowText" lastClr="000000"/>
+                </a:solidFill>
+                <a:latin typeface="Arial" panose="020B0604020202020204" pitchFamily="34" charset="0"/>
+                <a:cs typeface="Arial" panose="020B0604020202020204" pitchFamily="34" charset="0"/>
+              </a:rPr>
+              <a:t>*Note: Module is flexible to build any pool structure, diagram is just an example.</a:t>
+            </a:r>
+          </a:p>
+          <a:p>
+            <a:pPr>
+              <a:defRPr/>
+            </a:pPr>
+            <a:endParaRPr lang="en-US" sz="1200" dirty="0">
+              <a:solidFill>
+                <a:sysClr val="windowText" lastClr="000000"/>
+              </a:solidFill>
+              <a:latin typeface="Arial" panose="020B0604020202020204" pitchFamily="34" charset="0"/>
+              <a:cs typeface="Arial" panose="020B0604020202020204" pitchFamily="34" charset="0"/>
+            </a:endParaRPr>
+          </a:p>
+          <a:p>
+            <a:pPr>
+              <a:defRPr/>
+            </a:pPr>
+            <a:r>
+              <a:rPr lang="en-US" sz="1200" dirty="0">
+                <a:solidFill>
+                  <a:sysClr val="windowText" lastClr="000000"/>
+                </a:solidFill>
+                <a:latin typeface="Arial" panose="020B0604020202020204" pitchFamily="34" charset="0"/>
+                <a:cs typeface="Arial" panose="020B0604020202020204" pitchFamily="34" charset="0"/>
+              </a:rPr>
+              <a:t>** Note: Accounts / OUs and VPCs are not build by module. You can share to RAM Principals.</a:t>
+            </a:r>
+          </a:p>
+        </p:txBody>
+      </p:sp>
+      <p:sp>
+        <p:nvSpPr>
+          <p:cNvPr id="82" name="Rectangle 81">
+            <a:extLst>
+              <a:ext uri="{FF2B5EF4-FFF2-40B4-BE49-F238E27FC236}">
+                <a16:creationId xmlns:a16="http://schemas.microsoft.com/office/drawing/2014/main" id="{63610F88-BC01-F240-B7AF-3617313087A5}"/>
+              </a:ext>
+            </a:extLst>
+          </p:cNvPr>
+          <p:cNvSpPr/>
+          <p:nvPr/>
+        </p:nvSpPr>
+        <p:spPr>
+          <a:xfrm>
+            <a:off x="1516169" y="5507563"/>
+            <a:ext cx="1609027" cy="1192412"/>
+          </a:xfrm>
+          <a:prstGeom prst="rect">
+            <a:avLst/>
+          </a:prstGeom>
+          <a:noFill/>
+          <a:ln w="12700">
+            <a:solidFill>
+              <a:schemeClr val="tx1"/>
+            </a:solidFill>
+          </a:ln>
+        </p:spPr>
+        <p:style>
+          <a:lnRef idx="2">
+            <a:schemeClr val="accent1">
+              <a:shade val="50000"/>
+            </a:schemeClr>
+          </a:lnRef>
+          <a:fillRef idx="1">
+            <a:schemeClr val="accent1"/>
+          </a:fillRef>
+          <a:effectRef idx="0">
+            <a:schemeClr val="accent1"/>
+          </a:effectRef>
+          <a:fontRef idx="minor">
+            <a:schemeClr val="lt1"/>
+          </a:fontRef>
+        </p:style>
+        <p:txBody>
+          <a:bodyPr lIns="502920" tIns="91440"/>
+          <a:lstStyle/>
+          <a:p>
+            <a:pPr eaLnBrk="1" fontAlgn="auto" hangingPunct="1">
+              <a:spcBef>
+                <a:spcPts val="0"/>
+              </a:spcBef>
+              <a:spcAft>
+                <a:spcPts val="0"/>
+              </a:spcAft>
+              <a:defRPr/>
+            </a:pPr>
+            <a:endParaRPr lang="en-US" sz="1200" dirty="0">
+              <a:solidFill>
+                <a:sysClr val="windowText" lastClr="000000"/>
+              </a:solidFill>
+              <a:latin typeface="Arial" panose="020B0604020202020204" pitchFamily="34" charset="0"/>
+              <a:cs typeface="Arial" panose="020B0604020202020204" pitchFamily="34" charset="0"/>
+            </a:endParaRPr>
+          </a:p>
+        </p:txBody>
+      </p:sp>
+      <p:sp>
+        <p:nvSpPr>
+          <p:cNvPr id="83" name="Rectangle 82">
+            <a:extLst>
+              <a:ext uri="{FF2B5EF4-FFF2-40B4-BE49-F238E27FC236}">
+                <a16:creationId xmlns:a16="http://schemas.microsoft.com/office/drawing/2014/main" id="{C7D9007B-00D1-C444-8D5E-D3A274C7999E}"/>
+              </a:ext>
+            </a:extLst>
+          </p:cNvPr>
+          <p:cNvSpPr/>
+          <p:nvPr/>
+        </p:nvSpPr>
+        <p:spPr>
+          <a:xfrm>
+            <a:off x="1423683" y="5594760"/>
+            <a:ext cx="1637595" cy="1124593"/>
+          </a:xfrm>
+          <a:prstGeom prst="rect">
+            <a:avLst/>
+          </a:prstGeom>
+          <a:solidFill>
+            <a:schemeClr val="bg1"/>
+          </a:solidFill>
+          <a:ln w="12700">
+            <a:solidFill>
+              <a:schemeClr val="tx1"/>
+            </a:solidFill>
+          </a:ln>
+        </p:spPr>
+        <p:style>
+          <a:lnRef idx="2">
+            <a:schemeClr val="accent1">
+              <a:shade val="50000"/>
+            </a:schemeClr>
+          </a:lnRef>
+          <a:fillRef idx="1">
+            <a:schemeClr val="accent1"/>
+          </a:fillRef>
+          <a:effectRef idx="0">
+            <a:schemeClr val="accent1"/>
+          </a:effectRef>
+          <a:fontRef idx="minor">
+            <a:schemeClr val="lt1"/>
+          </a:fontRef>
+        </p:style>
+        <p:txBody>
+          <a:bodyPr lIns="502920" tIns="91440"/>
+          <a:lstStyle/>
+          <a:p>
+            <a:pPr eaLnBrk="1" fontAlgn="auto" hangingPunct="1">
+              <a:spcBef>
+                <a:spcPts val="0"/>
+              </a:spcBef>
+              <a:spcAft>
+                <a:spcPts val="0"/>
+              </a:spcAft>
+              <a:defRPr/>
+            </a:pPr>
+            <a:r>
+              <a:rPr lang="en-US" sz="1200" dirty="0">
+                <a:solidFill>
+                  <a:sysClr val="windowText" lastClr="000000"/>
+                </a:solidFill>
+                <a:latin typeface="Arial" panose="020B0604020202020204" pitchFamily="34" charset="0"/>
+                <a:cs typeface="Arial" panose="020B0604020202020204" pitchFamily="34" charset="0"/>
+              </a:rPr>
+              <a:t>AWS Accounts</a:t>
+            </a:r>
+          </a:p>
+        </p:txBody>
+      </p:sp>
+      <p:pic>
+        <p:nvPicPr>
+          <p:cNvPr id="84" name="Graphic 83">
+            <a:extLst>
+              <a:ext uri="{FF2B5EF4-FFF2-40B4-BE49-F238E27FC236}">
+                <a16:creationId xmlns:a16="http://schemas.microsoft.com/office/drawing/2014/main" id="{BCE9CB27-C547-5A4E-B2D0-387439AC1D72}"/>
+              </a:ext>
+            </a:extLst>
+          </p:cNvPr>
+          <p:cNvPicPr>
+            <a:picLocks noChangeAspect="1"/>
+          </p:cNvPicPr>
+          <p:nvPr/>
+        </p:nvPicPr>
+        <p:blipFill>
+          <a:blip r:embed="rId2">
+            <a:extLst>
+              <a:ext uri="{96DAC541-7B7A-43D3-8B79-37D633B846F1}">
+                <asvg:svgBlip xmlns:asvg="http://schemas.microsoft.com/office/drawing/2016/SVG/main" r:embed="rId3"/>
+              </a:ext>
+            </a:extLst>
+          </a:blip>
+          <a:srcRect/>
+          <a:stretch/>
+        </p:blipFill>
+        <p:spPr>
+          <a:xfrm>
+            <a:off x="1428020" y="5613528"/>
+            <a:ext cx="381000" cy="381000"/>
+          </a:xfrm>
+          <a:prstGeom prst="rect">
+            <a:avLst/>
+          </a:prstGeom>
+        </p:spPr>
+      </p:pic>
+      <p:grpSp>
+        <p:nvGrpSpPr>
+          <p:cNvPr id="87" name="Group 86">
+            <a:extLst>
+              <a:ext uri="{FF2B5EF4-FFF2-40B4-BE49-F238E27FC236}">
+                <a16:creationId xmlns:a16="http://schemas.microsoft.com/office/drawing/2014/main" id="{F7D59830-62D0-C945-9E34-B2CF7FE43FCF}"/>
+              </a:ext>
+            </a:extLst>
+          </p:cNvPr>
+          <p:cNvGrpSpPr/>
+          <p:nvPr/>
+        </p:nvGrpSpPr>
+        <p:grpSpPr>
+          <a:xfrm>
+            <a:off x="1454374" y="6136711"/>
+            <a:ext cx="1547644" cy="453923"/>
+            <a:chOff x="744591" y="6343747"/>
+            <a:chExt cx="1547644" cy="453923"/>
+          </a:xfrm>
+        </p:grpSpPr>
+        <p:sp>
+          <p:nvSpPr>
+            <p:cNvPr id="88" name="Rectangle 87">
+              <a:extLst>
+                <a:ext uri="{FF2B5EF4-FFF2-40B4-BE49-F238E27FC236}">
+                  <a16:creationId xmlns:a16="http://schemas.microsoft.com/office/drawing/2014/main" id="{7FAB2494-DC80-8E4A-AAA4-53B0D97DCDE6}"/>
+                </a:ext>
+              </a:extLst>
+            </p:cNvPr>
+            <p:cNvSpPr/>
+            <p:nvPr/>
+          </p:nvSpPr>
+          <p:spPr>
+            <a:xfrm>
+              <a:off x="798846" y="6343747"/>
+              <a:ext cx="1493389" cy="381000"/>
+            </a:xfrm>
+            <a:prstGeom prst="rect">
+              <a:avLst/>
+            </a:prstGeom>
+            <a:solidFill>
+              <a:schemeClr val="bg1"/>
+            </a:solidFill>
+            <a:ln w="12700">
+              <a:solidFill>
+                <a:srgbClr val="1E8900"/>
+              </a:solidFill>
+            </a:ln>
+          </p:spPr>
+          <p:style>
+            <a:lnRef idx="2">
+              <a:schemeClr val="accent1">
+                <a:shade val="50000"/>
+              </a:schemeClr>
+            </a:lnRef>
+            <a:fillRef idx="1">
+              <a:schemeClr val="accent1"/>
+            </a:fillRef>
+            <a:effectRef idx="0">
+              <a:schemeClr val="accent1"/>
+            </a:effectRef>
+            <a:fontRef idx="minor">
+              <a:schemeClr val="lt1"/>
+            </a:fontRef>
+          </p:style>
+          <p:txBody>
+            <a:bodyPr lIns="502920" tIns="91440"/>
+            <a:lstStyle/>
+            <a:p>
+              <a:pPr eaLnBrk="1" fontAlgn="auto" hangingPunct="1">
+                <a:spcBef>
+                  <a:spcPts val="0"/>
+                </a:spcBef>
+                <a:spcAft>
+                  <a:spcPts val="0"/>
+                </a:spcAft>
+                <a:defRPr/>
+              </a:pPr>
+              <a:endParaRPr lang="en-US" sz="1200" dirty="0">
+                <a:ln w="0"/>
+                <a:solidFill>
+                  <a:srgbClr val="1E8900"/>
+                </a:solidFill>
+                <a:latin typeface="Arial" panose="020B0604020202020204" pitchFamily="34" charset="0"/>
+                <a:cs typeface="Arial" panose="020B0604020202020204" pitchFamily="34" charset="0"/>
+              </a:endParaRPr>
+            </a:p>
+          </p:txBody>
+        </p:sp>
+        <p:sp>
+          <p:nvSpPr>
+            <p:cNvPr id="89" name="Rectangle 88">
+              <a:extLst>
+                <a:ext uri="{FF2B5EF4-FFF2-40B4-BE49-F238E27FC236}">
+                  <a16:creationId xmlns:a16="http://schemas.microsoft.com/office/drawing/2014/main" id="{E9BDA487-2ECA-4E45-B725-0372D41FDBC3}"/>
+                </a:ext>
+              </a:extLst>
+            </p:cNvPr>
+            <p:cNvSpPr/>
+            <p:nvPr/>
+          </p:nvSpPr>
+          <p:spPr>
+            <a:xfrm>
+              <a:off x="744591" y="6413499"/>
+              <a:ext cx="1493389" cy="381000"/>
+            </a:xfrm>
+            <a:prstGeom prst="rect">
+              <a:avLst/>
+            </a:prstGeom>
+            <a:solidFill>
+              <a:schemeClr val="bg1"/>
+            </a:solidFill>
+            <a:ln w="12700">
+              <a:solidFill>
+                <a:srgbClr val="1E8900"/>
+              </a:solidFill>
+            </a:ln>
+          </p:spPr>
+          <p:style>
+            <a:lnRef idx="2">
+              <a:schemeClr val="accent1">
+                <a:shade val="50000"/>
+              </a:schemeClr>
+            </a:lnRef>
+            <a:fillRef idx="1">
+              <a:schemeClr val="accent1"/>
+            </a:fillRef>
+            <a:effectRef idx="0">
+              <a:schemeClr val="accent1"/>
+            </a:effectRef>
+            <a:fontRef idx="minor">
+              <a:schemeClr val="lt1"/>
+            </a:fontRef>
+          </p:style>
+          <p:txBody>
+            <a:bodyPr lIns="502920" tIns="91440"/>
+            <a:lstStyle/>
+            <a:p>
+              <a:pPr eaLnBrk="1" fontAlgn="auto" hangingPunct="1">
+                <a:spcBef>
+                  <a:spcPts val="0"/>
+                </a:spcBef>
+                <a:spcAft>
+                  <a:spcPts val="0"/>
+                </a:spcAft>
+                <a:defRPr/>
+              </a:pPr>
+              <a:r>
+                <a:rPr lang="en-US" sz="1200" dirty="0">
+                  <a:ln w="0"/>
+                  <a:solidFill>
+                    <a:schemeClr val="tx1"/>
+                  </a:solidFill>
+                  <a:latin typeface="Arial" panose="020B0604020202020204" pitchFamily="34" charset="0"/>
+                  <a:cs typeface="Arial" panose="020B0604020202020204" pitchFamily="34" charset="0"/>
+                </a:rPr>
+                <a:t>VPC</a:t>
+              </a:r>
+            </a:p>
+          </p:txBody>
+        </p:sp>
+        <p:pic>
+          <p:nvPicPr>
+            <p:cNvPr id="90" name="Graphic 89">
+              <a:extLst>
+                <a:ext uri="{FF2B5EF4-FFF2-40B4-BE49-F238E27FC236}">
+                  <a16:creationId xmlns:a16="http://schemas.microsoft.com/office/drawing/2014/main" id="{27D9F95B-0D48-4048-99EA-E8DF1BCFACCC}"/>
+                </a:ext>
+              </a:extLst>
+            </p:cNvPr>
+            <p:cNvPicPr>
+              <a:picLocks noChangeAspect="1"/>
+            </p:cNvPicPr>
+            <p:nvPr/>
+          </p:nvPicPr>
+          <p:blipFill>
+            <a:blip r:embed="rId4">
+              <a:extLst>
+                <a:ext uri="{96DAC541-7B7A-43D3-8B79-37D633B846F1}">
+                  <asvg:svgBlip xmlns:asvg="http://schemas.microsoft.com/office/drawing/2016/SVG/main" r:embed="rId5"/>
+                </a:ext>
+              </a:extLst>
+            </a:blip>
+            <a:stretch>
+              <a:fillRect/>
+            </a:stretch>
+          </p:blipFill>
+          <p:spPr>
+            <a:xfrm>
+              <a:off x="758253" y="6416670"/>
+              <a:ext cx="381000" cy="381000"/>
+            </a:xfrm>
+            <a:prstGeom prst="rect">
+              <a:avLst/>
+            </a:prstGeom>
+          </p:spPr>
+        </p:pic>
+      </p:grpSp>
+      <p:sp>
+        <p:nvSpPr>
+          <p:cNvPr id="108" name="Rectangle 107">
+            <a:extLst>
+              <a:ext uri="{FF2B5EF4-FFF2-40B4-BE49-F238E27FC236}">
+                <a16:creationId xmlns:a16="http://schemas.microsoft.com/office/drawing/2014/main" id="{C340661B-BEF4-3841-BF27-10E7EBEF3FA4}"/>
+              </a:ext>
+            </a:extLst>
+          </p:cNvPr>
+          <p:cNvSpPr/>
+          <p:nvPr/>
+        </p:nvSpPr>
+        <p:spPr>
+          <a:xfrm>
+            <a:off x="5852199" y="1582172"/>
+            <a:ext cx="243978" cy="276999"/>
+          </a:xfrm>
+          <a:prstGeom prst="rect">
+            <a:avLst/>
+          </a:prstGeom>
+        </p:spPr>
+        <p:txBody>
+          <a:bodyPr wrap="none">
+            <a:spAutoFit/>
+          </a:bodyPr>
+          <a:lstStyle/>
+          <a:p>
+            <a:pPr>
+              <a:defRPr/>
+            </a:pPr>
+            <a:r>
+              <a:rPr lang="en-US" sz="1200" dirty="0">
+                <a:solidFill>
+                  <a:sysClr val="windowText" lastClr="000000"/>
+                </a:solidFill>
+                <a:latin typeface="Arial" panose="020B0604020202020204" pitchFamily="34" charset="0"/>
+                <a:cs typeface="Arial" panose="020B0604020202020204" pitchFamily="34" charset="0"/>
+              </a:rPr>
+              <a:t>*</a:t>
+            </a:r>
+          </a:p>
+        </p:txBody>
+      </p:sp>
+      <p:sp>
+        <p:nvSpPr>
+          <p:cNvPr id="109" name="Rectangle 108">
+            <a:extLst>
+              <a:ext uri="{FF2B5EF4-FFF2-40B4-BE49-F238E27FC236}">
+                <a16:creationId xmlns:a16="http://schemas.microsoft.com/office/drawing/2014/main" id="{435ECBA0-2B8A-0046-AEE7-AB61D6217472}"/>
+              </a:ext>
+            </a:extLst>
+          </p:cNvPr>
+          <p:cNvSpPr/>
+          <p:nvPr/>
+        </p:nvSpPr>
+        <p:spPr>
+          <a:xfrm>
+            <a:off x="5529236" y="5492880"/>
+            <a:ext cx="373029" cy="276999"/>
+          </a:xfrm>
+          <a:prstGeom prst="rect">
+            <a:avLst/>
+          </a:prstGeom>
+        </p:spPr>
+        <p:txBody>
+          <a:bodyPr wrap="square">
+            <a:spAutoFit/>
+          </a:bodyPr>
+          <a:lstStyle/>
+          <a:p>
+            <a:pPr>
+              <a:defRPr/>
+            </a:pPr>
+            <a:r>
+              <a:rPr lang="en-US" sz="1200" dirty="0">
+                <a:solidFill>
+                  <a:sysClr val="windowText" lastClr="000000"/>
+                </a:solidFill>
+                <a:latin typeface="Arial" panose="020B0604020202020204" pitchFamily="34" charset="0"/>
+                <a:cs typeface="Arial" panose="020B0604020202020204" pitchFamily="34" charset="0"/>
+              </a:rPr>
+              <a:t>**</a:t>
+            </a:r>
+          </a:p>
+        </p:txBody>
+      </p:sp>
     </p:spTree>
     <p:extLst>
       <p:ext uri="{BB962C8B-B14F-4D97-AF65-F5344CB8AC3E}">
